--- a/Scraping Alpha Deck_Aarsh Sachdeva.pptx
+++ b/Scraping Alpha Deck_Aarsh Sachdeva.pptx
@@ -4065,18 +4065,14 @@
           <a:p>
             <a:r>
               <a:rPr lang="en-US" dirty="0" smtClean="0"/>
-              <a:t>Binary Naïve </a:t>
-            </a:r>
-            <a:r>
-              <a:rPr lang="en-US" dirty="0" smtClean="0"/>
-              <a:t>Bayes Theorem: Example</a:t>
+              <a:t>Binary Naïve Bayes Theorem: Example</a:t>
             </a:r>
             <a:endParaRPr lang="en-US" dirty="0"/>
           </a:p>
         </p:txBody>
       </p:sp>
-      <mc:AlternateContent xmlns:mc="http://schemas.openxmlformats.org/markup-compatibility/2006">
-        <mc:Choice xmlns:a14="http://schemas.microsoft.com/office/drawing/2010/main" Requires="a14">
+      <mc:AlternateContent xmlns:mc="http://schemas.openxmlformats.org/markup-compatibility/2006" xmlns:a14="http://schemas.microsoft.com/office/drawing/2010/main">
+        <mc:Choice Requires="a14">
           <p:sp>
             <p:nvSpPr>
               <p:cNvPr id="8" name="Content Placeholder 2"/>
@@ -4116,21 +4112,8 @@
                       <a:schemeClr val="tx1"/>
                     </a:solidFill>
                   </a:rPr>
-                  <a:t>P(-) = </a:t>
+                  <a:t>P(-) = 2/4 = 1/2</a:t>
                 </a:r>
-                <a:r>
-                  <a:rPr lang="en-US" dirty="0" smtClean="0">
-                    <a:solidFill>
-                      <a:schemeClr val="tx1"/>
-                    </a:solidFill>
-                  </a:rPr>
-                  <a:t>2/4 = 1/2</a:t>
-                </a:r>
-                <a:endParaRPr lang="en-US" dirty="0" smtClean="0">
-                  <a:solidFill>
-                    <a:schemeClr val="tx1"/>
-                  </a:solidFill>
-                </a:endParaRPr>
               </a:p>
               <a:p>
                 <a:pPr lvl="1"/>
@@ -4140,21 +4123,8 @@
                       <a:schemeClr val="tx1"/>
                     </a:solidFill>
                   </a:rPr>
-                  <a:t>P(+) = </a:t>
+                  <a:t>P(+) = 2/4 = 1/2</a:t>
                 </a:r>
-                <a:r>
-                  <a:rPr lang="en-US" dirty="0" smtClean="0">
-                    <a:solidFill>
-                      <a:schemeClr val="tx1"/>
-                    </a:solidFill>
-                  </a:rPr>
-                  <a:t>2/4 = 1/2</a:t>
-                </a:r>
-                <a:endParaRPr lang="en-US" dirty="0" smtClean="0">
-                  <a:solidFill>
-                    <a:schemeClr val="tx1"/>
-                  </a:solidFill>
-                </a:endParaRPr>
               </a:p>
               <a:p>
                 <a:r>
@@ -4270,16 +4240,7 @@
                             </a:solidFill>
                             <a:latin typeface="Cambria Math" charset="0"/>
                           </a:rPr>
-                          <m:t>14+2</m:t>
-                        </m:r>
-                        <m:r>
-                          <a:rPr lang="en-US" b="0" i="1" smtClean="0">
-                            <a:solidFill>
-                              <a:schemeClr val="tx1"/>
-                            </a:solidFill>
-                            <a:latin typeface="Cambria Math" charset="0"/>
-                          </a:rPr>
-                          <m:t>2</m:t>
+                          <m:t>14+22</m:t>
                         </m:r>
                       </m:den>
                     </m:f>
@@ -4291,15 +4252,7 @@
                       <a:schemeClr val="tx1"/>
                     </a:solidFill>
                   </a:rPr>
-                  <a:t>	</a:t>
-                </a:r>
-                <a:r>
-                  <a:rPr lang="en-US" dirty="0" smtClean="0">
-                    <a:solidFill>
-                      <a:schemeClr val="tx1"/>
-                    </a:solidFill>
-                  </a:rPr>
-                  <a:t>	 </a:t>
+                  <a:t>		 </a:t>
                 </a:r>
                 <a14:m>
                   <m:oMath xmlns:m="http://schemas.openxmlformats.org/officeDocument/2006/math">
@@ -5116,16 +5069,7 @@
                             </a:solidFill>
                             <a:latin typeface="Cambria Math" charset="0"/>
                           </a:rPr>
-                          <m:t>14+2</m:t>
-                        </m:r>
-                        <m:r>
-                          <a:rPr lang="en-US" i="1">
-                            <a:solidFill>
-                              <a:schemeClr val="tx1"/>
-                            </a:solidFill>
-                            <a:latin typeface="Cambria Math" charset="0"/>
-                          </a:rPr>
-                          <m:t>2</m:t>
+                          <m:t>14+22</m:t>
                         </m:r>
                       </m:den>
                     </m:f>
@@ -5137,15 +5081,7 @@
                       <a:schemeClr val="tx1"/>
                     </a:solidFill>
                   </a:rPr>
-                  <a:t>	</a:t>
-                </a:r>
-                <a:r>
-                  <a:rPr lang="en-US" dirty="0">
-                    <a:solidFill>
-                      <a:schemeClr val="tx1"/>
-                    </a:solidFill>
-                  </a:rPr>
-                  <a:t>	 </a:t>
+                  <a:t>		 </a:t>
                 </a:r>
                 <a14:m>
                   <m:oMath xmlns:m="http://schemas.openxmlformats.org/officeDocument/2006/math">
@@ -5258,25 +5194,7 @@
                             </a:solidFill>
                             <a:latin typeface="Cambria Math" charset="0"/>
                           </a:rPr>
-                          <m:t>8</m:t>
-                        </m:r>
-                        <m:r>
-                          <a:rPr lang="en-US" i="1">
-                            <a:solidFill>
-                              <a:schemeClr val="tx1"/>
-                            </a:solidFill>
-                            <a:latin typeface="Cambria Math" charset="0"/>
-                          </a:rPr>
-                          <m:t>+2</m:t>
-                        </m:r>
-                        <m:r>
-                          <a:rPr lang="en-US" i="1">
-                            <a:solidFill>
-                              <a:schemeClr val="tx1"/>
-                            </a:solidFill>
-                            <a:latin typeface="Cambria Math" charset="0"/>
-                          </a:rPr>
-                          <m:t>2</m:t>
+                          <m:t>8+22</m:t>
                         </m:r>
                       </m:den>
                     </m:f>
@@ -5308,7 +5226,7 @@
             </p:txBody>
           </p:sp>
         </mc:Choice>
-        <mc:Fallback>
+        <mc:Fallback xmlns="">
           <p:sp>
             <p:nvSpPr>
               <p:cNvPr id="8" name="Content Placeholder 2"/>
@@ -5467,18 +5385,14 @@
           <a:p>
             <a:r>
               <a:rPr lang="en-US" dirty="0" smtClean="0"/>
-              <a:t>Binary Naïve </a:t>
-            </a:r>
-            <a:r>
-              <a:rPr lang="en-US" dirty="0" smtClean="0"/>
-              <a:t>Bayes Theorem: Example</a:t>
+              <a:t>Binary Naïve Bayes Theorem: Example</a:t>
             </a:r>
             <a:endParaRPr lang="en-US" dirty="0"/>
           </a:p>
         </p:txBody>
       </p:sp>
-      <mc:AlternateContent xmlns:mc="http://schemas.openxmlformats.org/markup-compatibility/2006">
-        <mc:Choice xmlns:a14="http://schemas.microsoft.com/office/drawing/2010/main" Requires="a14">
+      <mc:AlternateContent xmlns:mc="http://schemas.openxmlformats.org/markup-compatibility/2006" xmlns:a14="http://schemas.microsoft.com/office/drawing/2010/main">
+        <mc:Choice Requires="a14">
           <p:sp>
             <p:nvSpPr>
               <p:cNvPr id="8" name="Content Placeholder 2"/>
@@ -6060,7 +5974,7 @@
             </p:txBody>
           </p:sp>
         </mc:Choice>
-        <mc:Fallback>
+        <mc:Fallback xmlns="">
           <p:sp>
             <p:nvSpPr>
               <p:cNvPr id="8" name="Content Placeholder 2"/>
@@ -7421,11 +7335,7 @@
           <a:p>
             <a:r>
               <a:rPr lang="en-US" dirty="0" smtClean="0"/>
-              <a:t>Training Set Sensitivity </a:t>
-            </a:r>
-            <a:r>
-              <a:rPr lang="en-US" dirty="0" smtClean="0"/>
-              <a:t>Analysis </a:t>
+              <a:t>Training Set Sensitivity Analysis </a:t>
             </a:r>
             <a:r>
               <a:rPr lang="en-US" sz="2400" dirty="0" smtClean="0"/>
@@ -7444,13 +7354,13 @@
           <p:nvPr>
             <p:extLst>
               <p:ext uri="{D42A27DB-BD31-4B8C-83A1-F6EECF244321}">
-                <p14:modId xmlns:p14="http://schemas.microsoft.com/office/powerpoint/2010/main" val="639885744"/>
+                <p14:modId xmlns:p14="http://schemas.microsoft.com/office/powerpoint/2010/main" val="1871807730"/>
               </p:ext>
             </p:extLst>
           </p:nvPr>
         </p:nvGraphicFramePr>
         <p:xfrm>
-          <a:off x="714510" y="1856888"/>
+          <a:off x="915678" y="2259224"/>
           <a:ext cx="5260992" cy="1843244"/>
         </p:xfrm>
         <a:graphic>
@@ -7775,13 +7685,13 @@
           <p:nvPr>
             <p:extLst>
               <p:ext uri="{D42A27DB-BD31-4B8C-83A1-F6EECF244321}">
-                <p14:modId xmlns:p14="http://schemas.microsoft.com/office/powerpoint/2010/main" val="2142827740"/>
+                <p14:modId xmlns:p14="http://schemas.microsoft.com/office/powerpoint/2010/main" val="984573207"/>
               </p:ext>
             </p:extLst>
           </p:nvPr>
         </p:nvGraphicFramePr>
         <p:xfrm>
-          <a:off x="696790" y="3986942"/>
+          <a:off x="897958" y="4389278"/>
           <a:ext cx="5260992" cy="1843244"/>
         </p:xfrm>
         <a:graphic>
@@ -8098,13 +8008,13 @@
           <p:nvPr>
             <p:extLst>
               <p:ext uri="{D42A27DB-BD31-4B8C-83A1-F6EECF244321}">
-                <p14:modId xmlns:p14="http://schemas.microsoft.com/office/powerpoint/2010/main" val="1665906297"/>
+                <p14:modId xmlns:p14="http://schemas.microsoft.com/office/powerpoint/2010/main" val="1671512191"/>
               </p:ext>
             </p:extLst>
           </p:nvPr>
         </p:nvGraphicFramePr>
         <p:xfrm>
-          <a:off x="6101671" y="1856888"/>
+          <a:off x="6302839" y="2259224"/>
           <a:ext cx="5260992" cy="1843244"/>
         </p:xfrm>
         <a:graphic>
@@ -8421,13 +8331,13 @@
           <p:nvPr>
             <p:extLst>
               <p:ext uri="{D42A27DB-BD31-4B8C-83A1-F6EECF244321}">
-                <p14:modId xmlns:p14="http://schemas.microsoft.com/office/powerpoint/2010/main" val="1205000101"/>
+                <p14:modId xmlns:p14="http://schemas.microsoft.com/office/powerpoint/2010/main" val="1962567552"/>
               </p:ext>
             </p:extLst>
           </p:nvPr>
         </p:nvGraphicFramePr>
         <p:xfrm>
-          <a:off x="6101671" y="3986942"/>
+          <a:off x="6302839" y="4389278"/>
           <a:ext cx="5260992" cy="1843244"/>
         </p:xfrm>
         <a:graphic>
@@ -8802,6 +8712,68 @@
           </a:p>
         </p:txBody>
       </p:sp>
+      <p:sp>
+        <p:nvSpPr>
+          <p:cNvPr id="3" name="TextBox 2"/>
+          <p:cNvSpPr txBox="1"/>
+          <p:nvPr/>
+        </p:nvSpPr>
+        <p:spPr>
+          <a:xfrm>
+            <a:off x="1633728" y="1813626"/>
+            <a:ext cx="8924544" cy="369332"/>
+          </a:xfrm>
+          <a:prstGeom prst="rect">
+            <a:avLst/>
+          </a:prstGeom>
+          <a:noFill/>
+        </p:spPr>
+        <p:txBody>
+          <a:bodyPr wrap="square" rtlCol="0">
+            <a:spAutoFit/>
+          </a:bodyPr>
+          <a:lstStyle/>
+          <a:p>
+            <a:pPr algn="ctr"/>
+            <a:r>
+              <a:rPr lang="en-US" i="1" smtClean="0"/>
+              <a:t>Cutoff Return</a:t>
+            </a:r>
+            <a:endParaRPr lang="en-US" i="1"/>
+          </a:p>
+        </p:txBody>
+      </p:sp>
+      <p:sp>
+        <p:nvSpPr>
+          <p:cNvPr id="13" name="TextBox 12"/>
+          <p:cNvSpPr txBox="1"/>
+          <p:nvPr/>
+        </p:nvSpPr>
+        <p:spPr>
+          <a:xfrm rot="16200000">
+            <a:off x="-1436577" y="4061205"/>
+            <a:ext cx="3973297" cy="369332"/>
+          </a:xfrm>
+          <a:prstGeom prst="rect">
+            <a:avLst/>
+          </a:prstGeom>
+          <a:noFill/>
+        </p:spPr>
+        <p:txBody>
+          <a:bodyPr wrap="square" rtlCol="0">
+            <a:spAutoFit/>
+          </a:bodyPr>
+          <a:lstStyle/>
+          <a:p>
+            <a:pPr algn="ctr"/>
+            <a:r>
+              <a:rPr lang="en-US" i="1" dirty="0" smtClean="0"/>
+              <a:t>Holding Period</a:t>
+            </a:r>
+            <a:endParaRPr lang="en-US" i="1" dirty="0"/>
+          </a:p>
+        </p:txBody>
+      </p:sp>
     </p:spTree>
     <p:extLst>
       <p:ext uri="{BB962C8B-B14F-4D97-AF65-F5344CB8AC3E}">
@@ -8856,15 +8828,7 @@
           <a:p>
             <a:r>
               <a:rPr lang="en-US" dirty="0" smtClean="0"/>
-              <a:t>Test </a:t>
-            </a:r>
-            <a:r>
-              <a:rPr lang="en-US" dirty="0" smtClean="0"/>
-              <a:t>Set </a:t>
-            </a:r>
-            <a:r>
-              <a:rPr lang="en-US" dirty="0" smtClean="0"/>
-              <a:t>Performance </a:t>
+              <a:t>Test Set Performance </a:t>
             </a:r>
             <a:r>
               <a:rPr lang="en-US" sz="2400" dirty="0" smtClean="0"/>
@@ -9525,7 +9489,7 @@
         </p:spPr>
         <p:txBody>
           <a:bodyPr>
-            <a:normAutofit/>
+            <a:normAutofit lnSpcReduction="10000"/>
           </a:bodyPr>
           <a:lstStyle/>
           <a:p>
@@ -9555,8 +9519,31 @@
                   <a:schemeClr val="tx1"/>
                 </a:solidFill>
               </a:rPr>
-              <a:t>Calculate a “Trust-Value” score for reliable authors and incorporate it into the decision to invest</a:t>
-            </a:r>
+              <a:t>Calculate a “Trust-Value” score for reliable authors and incorporate it into the decision to </a:t>
+            </a:r>
+            <a:r>
+              <a:rPr lang="en-US" sz="2400" dirty="0" smtClean="0">
+                <a:solidFill>
+                  <a:schemeClr val="tx1"/>
+                </a:solidFill>
+              </a:rPr>
+              <a:t>invest</a:t>
+            </a:r>
+          </a:p>
+          <a:p>
+            <a:r>
+              <a:rPr lang="en-US" sz="2400" dirty="0" smtClean="0">
+                <a:solidFill>
+                  <a:schemeClr val="tx1"/>
+                </a:solidFill>
+              </a:rPr>
+              <a:t>Attempt to fit and incorporate other sentiment analysis models (e.g. Decision Trees)</a:t>
+            </a:r>
+            <a:endParaRPr lang="en-US" sz="2400" dirty="0" smtClean="0">
+              <a:solidFill>
+                <a:schemeClr val="tx1"/>
+              </a:solidFill>
+            </a:endParaRPr>
           </a:p>
           <a:p>
             <a:r>
@@ -10394,11 +10381,6 @@
               </a:rPr>
               <a:t>Bayes Theorem is based upon the laws of conditional probability</a:t>
             </a:r>
-            <a:endParaRPr lang="en-US" dirty="0" smtClean="0">
-              <a:solidFill>
-                <a:schemeClr val="tx1"/>
-              </a:solidFill>
-            </a:endParaRPr>
           </a:p>
         </p:txBody>
       </p:sp>
@@ -10499,8 +10481,8 @@
           </a:prstGeom>
         </p:spPr>
       </p:pic>
-      <mc:AlternateContent xmlns:mc="http://schemas.openxmlformats.org/markup-compatibility/2006">
-        <mc:Choice xmlns:a14="http://schemas.microsoft.com/office/drawing/2010/main" Requires="a14">
+      <mc:AlternateContent xmlns:mc="http://schemas.openxmlformats.org/markup-compatibility/2006" xmlns:a14="http://schemas.microsoft.com/office/drawing/2010/main">
+        <mc:Choice Requires="a14">
           <p:sp>
             <p:nvSpPr>
               <p:cNvPr id="4" name="Rectangle 3"/>
@@ -10522,6 +10504,7 @@
               </a:bodyPr>
               <a:lstStyle/>
               <a:p>
+                <a:pPr/>
                 <a14:m>
                   <m:oMathPara xmlns:m="http://schemas.openxmlformats.org/officeDocument/2006/math">
                     <m:oMathParaPr>
@@ -10668,7 +10651,7 @@
             </p:txBody>
           </p:sp>
         </mc:Choice>
-        <mc:Fallback>
+        <mc:Fallback xmlns="">
           <p:sp>
             <p:nvSpPr>
               <p:cNvPr id="4" name="Rectangle 3"/>
@@ -11349,18 +11332,14 @@
           <a:p>
             <a:r>
               <a:rPr lang="en-US" dirty="0" smtClean="0"/>
-              <a:t>Naïve </a:t>
-            </a:r>
-            <a:r>
-              <a:rPr lang="en-US" dirty="0" smtClean="0"/>
-              <a:t>Bayes Theorem</a:t>
+              <a:t>Naïve Bayes Theorem</a:t>
             </a:r>
             <a:endParaRPr lang="en-US" dirty="0"/>
           </a:p>
         </p:txBody>
       </p:sp>
-      <mc:AlternateContent xmlns:mc="http://schemas.openxmlformats.org/markup-compatibility/2006">
-        <mc:Choice xmlns:a14="http://schemas.microsoft.com/office/drawing/2010/main" Requires="a14">
+      <mc:AlternateContent xmlns:mc="http://schemas.openxmlformats.org/markup-compatibility/2006" xmlns:a14="http://schemas.microsoft.com/office/drawing/2010/main">
+        <mc:Choice Requires="a14">
           <p:sp>
             <p:nvSpPr>
               <p:cNvPr id="8" name="Content Placeholder 2"/>
@@ -11923,15 +11902,7 @@
                       <a:schemeClr val="tx1"/>
                     </a:solidFill>
                   </a:rPr>
-                  <a:t>This </a:t>
-                </a:r>
-                <a:r>
-                  <a:rPr lang="en-US" dirty="0" smtClean="0">
-                    <a:solidFill>
-                      <a:schemeClr val="tx1"/>
-                    </a:solidFill>
-                  </a:rPr>
-                  <a:t>theorem is called “naïve” because it assumes that the probability of a word being associated with a certain class is independent other words’ probabilities of being associated with that class</a:t>
+                  <a:t>This theorem is called “naïve” because it assumes that the probability of a word being associated with a certain class is independent other words’ probabilities of being associated with that class</a:t>
                 </a:r>
               </a:p>
               <a:p>
@@ -11966,15 +11937,7 @@
                       <a:schemeClr val="tx1"/>
                     </a:solidFill>
                   </a:rPr>
-                  <a:t>Here, V is the full range of words across all </a:t>
-                </a:r>
-                <a:r>
-                  <a:rPr lang="en-US" dirty="0" smtClean="0">
-                    <a:solidFill>
-                      <a:schemeClr val="tx1"/>
-                    </a:solidFill>
-                  </a:rPr>
-                  <a:t>classes</a:t>
+                  <a:t>Here, V is the full range of words across all classes</a:t>
                 </a:r>
                 <a:endParaRPr lang="en-US" dirty="0">
                   <a:solidFill>
@@ -11985,7 +11948,7 @@
             </p:txBody>
           </p:sp>
         </mc:Choice>
-        <mc:Fallback>
+        <mc:Fallback xmlns="">
           <p:sp>
             <p:nvSpPr>
               <p:cNvPr id="8" name="Content Placeholder 2"/>
@@ -12023,8 +11986,8 @@
           </p:sp>
         </mc:Fallback>
       </mc:AlternateContent>
-      <mc:AlternateContent xmlns:mc="http://schemas.openxmlformats.org/markup-compatibility/2006">
-        <mc:Choice xmlns:a14="http://schemas.microsoft.com/office/drawing/2010/main" Requires="a14">
+      <mc:AlternateContent xmlns:mc="http://schemas.openxmlformats.org/markup-compatibility/2006" xmlns:a14="http://schemas.microsoft.com/office/drawing/2010/main">
+        <mc:Choice Requires="a14">
           <p:sp>
             <p:nvSpPr>
               <p:cNvPr id="3" name="TextBox 2"/>
@@ -12292,7 +12255,7 @@
             </p:txBody>
           </p:sp>
         </mc:Choice>
-        <mc:Fallback>
+        <mc:Fallback xmlns="">
           <p:sp>
             <p:nvSpPr>
               <p:cNvPr id="3" name="TextBox 2"/>
@@ -12452,11 +12415,7 @@
           <a:p>
             <a:r>
               <a:rPr lang="en-US" dirty="0" smtClean="0"/>
-              <a:t>Binary Naïve </a:t>
-            </a:r>
-            <a:r>
-              <a:rPr lang="en-US" dirty="0" smtClean="0"/>
-              <a:t>Bayes Theorem: Example</a:t>
+              <a:t>Binary Naïve Bayes Theorem: Example</a:t>
             </a:r>
             <a:endParaRPr lang="en-US" dirty="0"/>
           </a:p>
@@ -12501,21 +12460,19 @@
                   <a:schemeClr val="tx1"/>
                 </a:solidFill>
               </a:rPr>
-              <a:t>Negative: </a:t>
-            </a:r>
+              <a:t>Negative: “it was pathetic the worst part was the boxing scenes”</a:t>
+            </a:r>
+          </a:p>
+          <a:p>
+            <a:pPr lvl="1"/>
             <a:r>
               <a:rPr lang="en-US" dirty="0" smtClean="0">
                 <a:solidFill>
                   <a:schemeClr val="tx1"/>
                 </a:solidFill>
               </a:rPr>
-              <a:t>“it was pathetic the worst part was the boxing scenes”</a:t>
-            </a:r>
-            <a:endParaRPr lang="en-US" dirty="0" smtClean="0">
-              <a:solidFill>
-                <a:schemeClr val="tx1"/>
-              </a:solidFill>
-            </a:endParaRPr>
+              <a:t>Negative: “no plot twists or great scenes”</a:t>
+            </a:r>
           </a:p>
           <a:p>
             <a:pPr lvl="1"/>
@@ -12525,108 +12482,29 @@
                   <a:schemeClr val="tx1"/>
                 </a:solidFill>
               </a:rPr>
-              <a:t>Negative: </a:t>
-            </a:r>
+              <a:t>Positive: “and satire and great plot twists”</a:t>
+            </a:r>
+          </a:p>
+          <a:p>
+            <a:pPr lvl="1"/>
             <a:r>
               <a:rPr lang="en-US" dirty="0" smtClean="0">
                 <a:solidFill>
                   <a:schemeClr val="tx1"/>
                 </a:solidFill>
               </a:rPr>
-              <a:t>“no plot twists or great scenes”</a:t>
-            </a:r>
-            <a:endParaRPr lang="en-US" dirty="0" smtClean="0">
-              <a:solidFill>
-                <a:schemeClr val="tx1"/>
-              </a:solidFill>
-            </a:endParaRPr>
-          </a:p>
-          <a:p>
-            <a:pPr lvl="1"/>
+              <a:t>Positive: ”great scenes and great film”</a:t>
+            </a:r>
+          </a:p>
+          <a:p>
             <a:r>
               <a:rPr lang="en-US" dirty="0" smtClean="0">
                 <a:solidFill>
                   <a:schemeClr val="tx1"/>
                 </a:solidFill>
               </a:rPr>
-              <a:t>Positive</a:t>
-            </a:r>
-            <a:r>
-              <a:rPr lang="en-US" dirty="0" smtClean="0">
-                <a:solidFill>
-                  <a:schemeClr val="tx1"/>
-                </a:solidFill>
-              </a:rPr>
-              <a:t>: </a:t>
-            </a:r>
-            <a:r>
-              <a:rPr lang="en-US" dirty="0" smtClean="0">
-                <a:solidFill>
-                  <a:schemeClr val="tx1"/>
-                </a:solidFill>
-              </a:rPr>
-              <a:t>“and satire and great plot twists”</a:t>
-            </a:r>
-            <a:endParaRPr lang="en-US" dirty="0" smtClean="0">
-              <a:solidFill>
-                <a:schemeClr val="tx1"/>
-              </a:solidFill>
-            </a:endParaRPr>
-          </a:p>
-          <a:p>
-            <a:pPr lvl="1"/>
-            <a:r>
-              <a:rPr lang="en-US" dirty="0" smtClean="0">
-                <a:solidFill>
-                  <a:schemeClr val="tx1"/>
-                </a:solidFill>
-              </a:rPr>
-              <a:t>Positive: </a:t>
-            </a:r>
-            <a:r>
-              <a:rPr lang="en-US" dirty="0" smtClean="0">
-                <a:solidFill>
-                  <a:schemeClr val="tx1"/>
-                </a:solidFill>
-              </a:rPr>
-              <a:t>”great scenes and great film”</a:t>
-            </a:r>
-            <a:endParaRPr lang="en-US" dirty="0" smtClean="0">
-              <a:solidFill>
-                <a:schemeClr val="tx1"/>
-              </a:solidFill>
-            </a:endParaRPr>
-          </a:p>
-          <a:p>
-            <a:r>
-              <a:rPr lang="en-US" dirty="0" smtClean="0">
-                <a:solidFill>
-                  <a:schemeClr val="tx1"/>
-                </a:solidFill>
-              </a:rPr>
-              <a:t>Binary Naïve </a:t>
-            </a:r>
-            <a:r>
-              <a:rPr lang="en-US" dirty="0" smtClean="0">
-                <a:solidFill>
-                  <a:schemeClr val="tx1"/>
-                </a:solidFill>
-              </a:rPr>
-              <a:t>Bayes Theorem will </a:t>
-            </a:r>
-            <a:r>
-              <a:rPr lang="en-US" dirty="0" smtClean="0">
-                <a:solidFill>
-                  <a:schemeClr val="tx1"/>
-                </a:solidFill>
-              </a:rPr>
-              <a:t>first reduce each sentence to remove duplicates within each sentence:</a:t>
-            </a:r>
-            <a:endParaRPr lang="en-US" dirty="0" smtClean="0">
-              <a:solidFill>
-                <a:schemeClr val="tx1"/>
-              </a:solidFill>
-            </a:endParaRPr>
+              <a:t>Binary Naïve Bayes Theorem will first reduce each sentence to remove duplicates within each sentence:</a:t>
+            </a:r>
           </a:p>
           <a:p>
             <a:pPr lvl="1"/>

--- a/Scraping Alpha Deck_Aarsh Sachdeva.pptx
+++ b/Scraping Alpha Deck_Aarsh Sachdeva.pptx
@@ -23,8 +23,9 @@
     <p:sldId id="284" r:id="rId17"/>
     <p:sldId id="281" r:id="rId18"/>
     <p:sldId id="285" r:id="rId19"/>
-    <p:sldId id="287" r:id="rId20"/>
-    <p:sldId id="291" r:id="rId21"/>
+    <p:sldId id="292" r:id="rId20"/>
+    <p:sldId id="287" r:id="rId21"/>
+    <p:sldId id="291" r:id="rId22"/>
   </p:sldIdLst>
   <p:sldSz cx="12192000" cy="6858000"/>
   <p:notesSz cx="6858000" cy="9144000"/>
@@ -8832,6 +8833,712 @@
             </a:r>
             <a:r>
               <a:rPr lang="en-US" sz="2400" dirty="0" smtClean="0"/>
+              <a:t>(</a:t>
+            </a:r>
+            <a:r>
+              <a:rPr lang="en-US" sz="2400" dirty="0" smtClean="0"/>
+              <a:t>10</a:t>
+            </a:r>
+            <a:r>
+              <a:rPr lang="en-US" sz="2400" dirty="0" smtClean="0"/>
+              <a:t>-Day </a:t>
+            </a:r>
+            <a:r>
+              <a:rPr lang="en-US" sz="2400" dirty="0" smtClean="0"/>
+              <a:t>Holding Period, 0% Cutoff)</a:t>
+            </a:r>
+            <a:endParaRPr lang="en-US" sz="2400" dirty="0"/>
+          </a:p>
+        </p:txBody>
+      </p:sp>
+      <p:graphicFrame>
+        <p:nvGraphicFramePr>
+          <p:cNvPr id="10" name="Table 9"/>
+          <p:cNvGraphicFramePr>
+            <a:graphicFrameLocks noGrp="1"/>
+          </p:cNvGraphicFramePr>
+          <p:nvPr>
+            <p:extLst>
+              <p:ext uri="{D42A27DB-BD31-4B8C-83A1-F6EECF244321}">
+                <p14:modId xmlns:p14="http://schemas.microsoft.com/office/powerpoint/2010/main" val="599012234"/>
+              </p:ext>
+            </p:extLst>
+          </p:nvPr>
+        </p:nvGraphicFramePr>
+        <p:xfrm>
+          <a:off x="1097280" y="2781937"/>
+          <a:ext cx="10058404" cy="1280002"/>
+        </p:xfrm>
+        <a:graphic>
+          <a:graphicData uri="http://schemas.openxmlformats.org/drawingml/2006/table">
+            <a:tbl>
+              <a:tblPr firstRow="1" firstCol="1" bandRow="1">
+                <a:tableStyleId>{72833802-FEF1-4C79-8D5D-14CF1EAF98D9}</a:tableStyleId>
+              </a:tblPr>
+              <a:tblGrid>
+                <a:gridCol w="2514601"/>
+                <a:gridCol w="2514601"/>
+                <a:gridCol w="2514601"/>
+                <a:gridCol w="2514601"/>
+              </a:tblGrid>
+              <a:tr h="640001">
+                <a:tc>
+                  <a:txBody>
+                    <a:bodyPr/>
+                    <a:lstStyle/>
+                    <a:p>
+                      <a:pPr algn="ctr"/>
+                      <a:r>
+                        <a:rPr lang="en-US" dirty="0" smtClean="0"/>
+                        <a:t>Precision</a:t>
+                      </a:r>
+                      <a:endParaRPr lang="en-US" dirty="0"/>
+                    </a:p>
+                  </a:txBody>
+                  <a:tcPr/>
+                </a:tc>
+                <a:tc>
+                  <a:txBody>
+                    <a:bodyPr/>
+                    <a:lstStyle/>
+                    <a:p>
+                      <a:pPr algn="ctr"/>
+                      <a:r>
+                        <a:rPr lang="en-US" dirty="0" smtClean="0"/>
+                        <a:t>Recall</a:t>
+                      </a:r>
+                      <a:endParaRPr lang="en-US" dirty="0"/>
+                    </a:p>
+                  </a:txBody>
+                  <a:tcPr/>
+                </a:tc>
+                <a:tc>
+                  <a:txBody>
+                    <a:bodyPr/>
+                    <a:lstStyle/>
+                    <a:p>
+                      <a:pPr algn="ctr"/>
+                      <a:r>
+                        <a:rPr lang="en-US" dirty="0" smtClean="0"/>
+                        <a:t>Accuracy</a:t>
+                      </a:r>
+                      <a:endParaRPr lang="en-US" dirty="0"/>
+                    </a:p>
+                  </a:txBody>
+                  <a:tcPr/>
+                </a:tc>
+                <a:tc>
+                  <a:txBody>
+                    <a:bodyPr/>
+                    <a:lstStyle/>
+                    <a:p>
+                      <a:pPr algn="ctr"/>
+                      <a:r>
+                        <a:rPr lang="en-US" dirty="0" smtClean="0"/>
+                        <a:t>F1-Measure</a:t>
+                      </a:r>
+                      <a:endParaRPr lang="en-US" dirty="0"/>
+                    </a:p>
+                  </a:txBody>
+                  <a:tcPr/>
+                </a:tc>
+              </a:tr>
+              <a:tr h="640001">
+                <a:tc>
+                  <a:txBody>
+                    <a:bodyPr/>
+                    <a:lstStyle/>
+                    <a:p>
+                      <a:pPr marL="0" algn="ctr" defTabSz="914400" rtl="0" eaLnBrk="1" latinLnBrk="0" hangingPunct="1"/>
+                      <a:r>
+                        <a:rPr lang="en-US" sz="1800" b="0" kern="1200" dirty="0" smtClean="0">
+                          <a:solidFill>
+                            <a:schemeClr val="tx1"/>
+                          </a:solidFill>
+                          <a:latin typeface="+mn-lt"/>
+                          <a:ea typeface="+mn-ea"/>
+                          <a:cs typeface="+mn-cs"/>
+                        </a:rPr>
+                        <a:t>0.425</a:t>
+                      </a:r>
+                      <a:endParaRPr lang="en-US" sz="1800" b="0" kern="1200" dirty="0">
+                        <a:solidFill>
+                          <a:schemeClr val="tx1"/>
+                        </a:solidFill>
+                        <a:latin typeface="+mn-lt"/>
+                        <a:ea typeface="+mn-ea"/>
+                        <a:cs typeface="+mn-cs"/>
+                      </a:endParaRPr>
+                    </a:p>
+                  </a:txBody>
+                  <a:tcPr/>
+                </a:tc>
+                <a:tc>
+                  <a:txBody>
+                    <a:bodyPr/>
+                    <a:lstStyle/>
+                    <a:p>
+                      <a:pPr algn="ctr"/>
+                      <a:r>
+                        <a:rPr lang="en-US" dirty="0" smtClean="0"/>
+                        <a:t>0.765</a:t>
+                      </a:r>
+                      <a:endParaRPr lang="en-US" dirty="0"/>
+                    </a:p>
+                  </a:txBody>
+                  <a:tcPr/>
+                </a:tc>
+                <a:tc>
+                  <a:txBody>
+                    <a:bodyPr/>
+                    <a:lstStyle/>
+                    <a:p>
+                      <a:pPr algn="ctr"/>
+                      <a:r>
+                        <a:rPr lang="en-US" dirty="0" smtClean="0"/>
+                        <a:t>0.460</a:t>
+                      </a:r>
+                      <a:endParaRPr lang="en-US" dirty="0"/>
+                    </a:p>
+                  </a:txBody>
+                  <a:tcPr/>
+                </a:tc>
+                <a:tc>
+                  <a:txBody>
+                    <a:bodyPr/>
+                    <a:lstStyle/>
+                    <a:p>
+                      <a:pPr algn="ctr"/>
+                      <a:r>
+                        <a:rPr lang="en-US" dirty="0" smtClean="0"/>
+                        <a:t>0.546</a:t>
+                      </a:r>
+                      <a:endParaRPr lang="en-US" dirty="0"/>
+                    </a:p>
+                  </a:txBody>
+                  <a:tcPr/>
+                </a:tc>
+              </a:tr>
+            </a:tbl>
+          </a:graphicData>
+        </a:graphic>
+      </p:graphicFrame>
+      <p:pic>
+        <p:nvPicPr>
+          <p:cNvPr id="21" name="Picture 20"/>
+          <p:cNvPicPr>
+            <a:picLocks noChangeAspect="1"/>
+          </p:cNvPicPr>
+          <p:nvPr/>
+        </p:nvPicPr>
+        <p:blipFill rotWithShape="1">
+          <a:blip r:embed="rId2">
+            <a:extLst>
+              <a:ext uri="{28A0092B-C50C-407E-A947-70E740481C1C}">
+                <a14:useLocalDpi xmlns:a14="http://schemas.microsoft.com/office/drawing/2010/main" val="0"/>
+              </a:ext>
+            </a:extLst>
+          </a:blip>
+          <a:srcRect b="35355"/>
+          <a:stretch/>
+        </p:blipFill>
+        <p:spPr>
+          <a:xfrm>
+            <a:off x="-9" y="6350043"/>
+            <a:ext cx="809183" cy="522245"/>
+          </a:xfrm>
+          <a:prstGeom prst="rect">
+            <a:avLst/>
+          </a:prstGeom>
+        </p:spPr>
+      </p:pic>
+      <p:sp>
+        <p:nvSpPr>
+          <p:cNvPr id="22" name="TextBox 21"/>
+          <p:cNvSpPr txBox="1"/>
+          <p:nvPr/>
+        </p:nvSpPr>
+        <p:spPr>
+          <a:xfrm>
+            <a:off x="10111081" y="6386518"/>
+            <a:ext cx="2276202" cy="461665"/>
+          </a:xfrm>
+          <a:prstGeom prst="rect">
+            <a:avLst/>
+          </a:prstGeom>
+          <a:noFill/>
+        </p:spPr>
+        <p:txBody>
+          <a:bodyPr wrap="square" rtlCol="0">
+            <a:spAutoFit/>
+          </a:bodyPr>
+          <a:lstStyle/>
+          <a:p>
+            <a:r>
+              <a:rPr lang="en-US" sz="2400" dirty="0" smtClean="0">
+                <a:latin typeface="+mj-lt"/>
+              </a:rPr>
+              <a:t>Scraping Alpha</a:t>
+            </a:r>
+            <a:r>
+              <a:rPr lang="en-US" sz="2400" baseline="30000" dirty="0" smtClean="0">
+                <a:latin typeface="+mj-lt"/>
+              </a:rPr>
+              <a:t>⍺</a:t>
+            </a:r>
+            <a:endParaRPr lang="en-US" sz="2400" dirty="0"/>
+          </a:p>
+        </p:txBody>
+      </p:sp>
+      <p:sp>
+        <p:nvSpPr>
+          <p:cNvPr id="3" name="TextBox 2"/>
+          <p:cNvSpPr txBox="1"/>
+          <p:nvPr/>
+        </p:nvSpPr>
+        <p:spPr>
+          <a:xfrm>
+            <a:off x="3480862" y="4578697"/>
+            <a:ext cx="5230278" cy="369332"/>
+          </a:xfrm>
+          <a:prstGeom prst="rect">
+            <a:avLst/>
+          </a:prstGeom>
+          <a:noFill/>
+          <a:ln w="38100">
+            <a:solidFill>
+              <a:schemeClr val="accent2"/>
+            </a:solidFill>
+          </a:ln>
+        </p:spPr>
+        <p:txBody>
+          <a:bodyPr wrap="none" rtlCol="0">
+            <a:spAutoFit/>
+          </a:bodyPr>
+          <a:lstStyle/>
+          <a:p>
+            <a:pPr algn="ctr"/>
+            <a:r>
+              <a:rPr lang="en-US" dirty="0" smtClean="0"/>
+              <a:t>Expected 20-Day Return from Long Positions: </a:t>
+            </a:r>
+            <a:r>
+              <a:rPr lang="en-US" b="1" i="1" dirty="0" smtClean="0"/>
+              <a:t>-</a:t>
+            </a:r>
+            <a:r>
+              <a:rPr lang="en-US" b="1" i="1" dirty="0" smtClean="0"/>
+              <a:t>0.829%</a:t>
+            </a:r>
+            <a:endParaRPr lang="en-US" b="1" i="1" dirty="0"/>
+          </a:p>
+        </p:txBody>
+      </p:sp>
+      <p:sp>
+        <p:nvSpPr>
+          <p:cNvPr id="13" name="TextBox 12"/>
+          <p:cNvSpPr txBox="1"/>
+          <p:nvPr/>
+        </p:nvSpPr>
+        <p:spPr>
+          <a:xfrm>
+            <a:off x="3488075" y="5054350"/>
+            <a:ext cx="5215851" cy="369332"/>
+          </a:xfrm>
+          <a:prstGeom prst="rect">
+            <a:avLst/>
+          </a:prstGeom>
+          <a:noFill/>
+          <a:ln w="38100">
+            <a:solidFill>
+              <a:schemeClr val="accent2"/>
+            </a:solidFill>
+          </a:ln>
+        </p:spPr>
+        <p:txBody>
+          <a:bodyPr wrap="none" rtlCol="0">
+            <a:spAutoFit/>
+          </a:bodyPr>
+          <a:lstStyle>
+            <a:defPPr>
+              <a:defRPr lang="en-US"/>
+            </a:defPPr>
+            <a:lvl1pPr algn="ctr"/>
+          </a:lstStyle>
+          <a:p>
+            <a:r>
+              <a:rPr lang="en-US" dirty="0"/>
+              <a:t>Expected 20-Day Return from Short Positions: </a:t>
+            </a:r>
+            <a:r>
+              <a:rPr lang="en-US" b="1" i="1" dirty="0" smtClean="0"/>
+              <a:t>2.267</a:t>
+            </a:r>
+            <a:r>
+              <a:rPr lang="en-US" b="1" i="1" dirty="0" smtClean="0"/>
+              <a:t>%</a:t>
+            </a:r>
+            <a:endParaRPr lang="en-US" b="1" i="1" dirty="0"/>
+          </a:p>
+        </p:txBody>
+      </p:sp>
+      <p:sp>
+        <p:nvSpPr>
+          <p:cNvPr id="8" name="TextBox 7"/>
+          <p:cNvSpPr txBox="1"/>
+          <p:nvPr/>
+        </p:nvSpPr>
+        <p:spPr>
+          <a:xfrm>
+            <a:off x="3094425" y="5554222"/>
+            <a:ext cx="6015366" cy="369332"/>
+          </a:xfrm>
+          <a:prstGeom prst="rect">
+            <a:avLst/>
+          </a:prstGeom>
+          <a:noFill/>
+          <a:ln w="38100">
+            <a:solidFill>
+              <a:schemeClr val="accent2"/>
+            </a:solidFill>
+          </a:ln>
+        </p:spPr>
+        <p:txBody>
+          <a:bodyPr wrap="none" rtlCol="0">
+            <a:spAutoFit/>
+          </a:bodyPr>
+          <a:lstStyle>
+            <a:defPPr>
+              <a:defRPr lang="en-US"/>
+            </a:defPPr>
+            <a:lvl1pPr algn="ctr"/>
+          </a:lstStyle>
+          <a:p>
+            <a:r>
+              <a:rPr lang="en-US" dirty="0"/>
+              <a:t>Expected </a:t>
+            </a:r>
+            <a:r>
+              <a:rPr lang="en-US" dirty="0" smtClean="0"/>
+              <a:t>Annual Return from a Long/Short Portfolio: </a:t>
+            </a:r>
+            <a:r>
+              <a:rPr lang="en-US" b="1" i="1" dirty="0" smtClean="0"/>
+              <a:t>19.796%</a:t>
+            </a:r>
+            <a:endParaRPr lang="en-US" b="1" i="1" dirty="0"/>
+          </a:p>
+        </p:txBody>
+      </p:sp>
+    </p:spTree>
+    <p:extLst>
+      <p:ext uri="{BB962C8B-B14F-4D97-AF65-F5344CB8AC3E}">
+        <p14:creationId xmlns:p14="http://schemas.microsoft.com/office/powerpoint/2010/main" val="878810323"/>
+      </p:ext>
+    </p:extLst>
+  </p:cSld>
+  <p:clrMapOvr>
+    <a:masterClrMapping/>
+  </p:clrMapOvr>
+  <p:timing>
+    <p:tnLst>
+      <p:par>
+        <p:cTn id="1" dur="indefinite" restart="never" nodeType="tmRoot"/>
+      </p:par>
+    </p:tnLst>
+  </p:timing>
+</p:sld>
+</file>
+
+<file path=ppt/slides/slide2.xml><?xml version="1.0" encoding="utf-8"?>
+<p:sld xmlns:a="http://schemas.openxmlformats.org/drawingml/2006/main" xmlns:r="http://schemas.openxmlformats.org/officeDocument/2006/relationships" xmlns:p="http://schemas.openxmlformats.org/presentationml/2006/main">
+  <p:cSld>
+    <p:spTree>
+      <p:nvGrpSpPr>
+        <p:cNvPr id="1" name=""/>
+        <p:cNvGrpSpPr/>
+        <p:nvPr/>
+      </p:nvGrpSpPr>
+      <p:grpSpPr>
+        <a:xfrm>
+          <a:off x="0" y="0"/>
+          <a:ext cx="0" cy="0"/>
+          <a:chOff x="0" y="0"/>
+          <a:chExt cx="0" cy="0"/>
+        </a:xfrm>
+      </p:grpSpPr>
+      <p:sp>
+        <p:nvSpPr>
+          <p:cNvPr id="2" name="Title 1"/>
+          <p:cNvSpPr>
+            <a:spLocks noGrp="1"/>
+          </p:cNvSpPr>
+          <p:nvPr>
+            <p:ph type="title"/>
+          </p:nvPr>
+        </p:nvSpPr>
+        <p:spPr/>
+        <p:txBody>
+          <a:bodyPr/>
+          <a:lstStyle/>
+          <a:p>
+            <a:r>
+              <a:rPr lang="en-US" dirty="0" smtClean="0"/>
+              <a:t>Table of Contents</a:t>
+            </a:r>
+            <a:endParaRPr lang="en-US" dirty="0"/>
+          </a:p>
+        </p:txBody>
+      </p:sp>
+      <p:sp>
+        <p:nvSpPr>
+          <p:cNvPr id="3" name="Content Placeholder 2"/>
+          <p:cNvSpPr>
+            <a:spLocks noGrp="1"/>
+          </p:cNvSpPr>
+          <p:nvPr>
+            <p:ph idx="1"/>
+          </p:nvPr>
+        </p:nvSpPr>
+        <p:spPr>
+          <a:xfrm>
+            <a:off x="1097280" y="1845734"/>
+            <a:ext cx="10058400" cy="4250266"/>
+          </a:xfrm>
+        </p:spPr>
+        <p:txBody>
+          <a:bodyPr>
+            <a:normAutofit/>
+          </a:bodyPr>
+          <a:lstStyle/>
+          <a:p>
+            <a:pPr>
+              <a:buFont typeface="Arial" panose="020B0604020202020204" pitchFamily="34" charset="0"/>
+              <a:buChar char="•"/>
+            </a:pPr>
+            <a:r>
+              <a:rPr lang="en-US" sz="2400" dirty="0" smtClean="0"/>
+              <a:t>Seeking Alpha Overview</a:t>
+            </a:r>
+          </a:p>
+          <a:p>
+            <a:pPr>
+              <a:buFont typeface="Arial" panose="020B0604020202020204" pitchFamily="34" charset="0"/>
+              <a:buChar char="•"/>
+            </a:pPr>
+            <a:r>
+              <a:rPr lang="en-US" sz="2400" dirty="0" smtClean="0"/>
+              <a:t>Sentiment Analysis</a:t>
+            </a:r>
+          </a:p>
+          <a:p>
+            <a:pPr>
+              <a:buFont typeface="Arial" panose="020B0604020202020204" pitchFamily="34" charset="0"/>
+              <a:buChar char="•"/>
+            </a:pPr>
+            <a:r>
+              <a:rPr lang="en-US" sz="2400" dirty="0" smtClean="0"/>
+              <a:t>Naïve Bayes Theorem</a:t>
+            </a:r>
+          </a:p>
+          <a:p>
+            <a:pPr>
+              <a:buFont typeface="Arial" panose="020B0604020202020204" pitchFamily="34" charset="0"/>
+              <a:buChar char="•"/>
+            </a:pPr>
+            <a:r>
+              <a:rPr lang="en-US" sz="2400" dirty="0" smtClean="0"/>
+              <a:t>Implementation Process</a:t>
+            </a:r>
+          </a:p>
+          <a:p>
+            <a:pPr>
+              <a:buFont typeface="Arial" panose="020B0604020202020204" pitchFamily="34" charset="0"/>
+              <a:buChar char="•"/>
+            </a:pPr>
+            <a:r>
+              <a:rPr lang="en-US" sz="2400" dirty="0" smtClean="0"/>
+              <a:t>Evaluation Metrics</a:t>
+            </a:r>
+          </a:p>
+          <a:p>
+            <a:pPr>
+              <a:buFont typeface="Arial" panose="020B0604020202020204" pitchFamily="34" charset="0"/>
+              <a:buChar char="•"/>
+            </a:pPr>
+            <a:r>
+              <a:rPr lang="en-US" sz="2400" dirty="0" smtClean="0"/>
+              <a:t>Training Set Sensitivity Analysis</a:t>
+            </a:r>
+          </a:p>
+          <a:p>
+            <a:pPr>
+              <a:buFont typeface="Arial" panose="020B0604020202020204" pitchFamily="34" charset="0"/>
+              <a:buChar char="•"/>
+            </a:pPr>
+            <a:r>
+              <a:rPr lang="en-US" sz="2400" dirty="0" smtClean="0"/>
+              <a:t>Test Set Results</a:t>
+            </a:r>
+          </a:p>
+          <a:p>
+            <a:pPr>
+              <a:buFont typeface="Arial" panose="020B0604020202020204" pitchFamily="34" charset="0"/>
+              <a:buChar char="•"/>
+            </a:pPr>
+            <a:r>
+              <a:rPr lang="en-US" sz="2400" dirty="0" smtClean="0"/>
+              <a:t>Next Steps</a:t>
+            </a:r>
+          </a:p>
+          <a:p>
+            <a:pPr>
+              <a:buFont typeface="Arial" panose="020B0604020202020204" pitchFamily="34" charset="0"/>
+              <a:buChar char="•"/>
+            </a:pPr>
+            <a:endParaRPr lang="en-US" dirty="0" smtClean="0"/>
+          </a:p>
+          <a:p>
+            <a:pPr>
+              <a:buFont typeface="Arial" panose="020B0604020202020204" pitchFamily="34" charset="0"/>
+              <a:buChar char="•"/>
+            </a:pPr>
+            <a:endParaRPr lang="en-US" dirty="0" smtClean="0"/>
+          </a:p>
+          <a:p>
+            <a:pPr>
+              <a:buFont typeface="Arial" panose="020B0604020202020204" pitchFamily="34" charset="0"/>
+              <a:buChar char="•"/>
+            </a:pPr>
+            <a:endParaRPr lang="en-US" dirty="0" smtClean="0"/>
+          </a:p>
+        </p:txBody>
+      </p:sp>
+      <p:pic>
+        <p:nvPicPr>
+          <p:cNvPr id="8" name="Picture 7"/>
+          <p:cNvPicPr>
+            <a:picLocks noChangeAspect="1"/>
+          </p:cNvPicPr>
+          <p:nvPr/>
+        </p:nvPicPr>
+        <p:blipFill rotWithShape="1">
+          <a:blip r:embed="rId2">
+            <a:extLst>
+              <a:ext uri="{28A0092B-C50C-407E-A947-70E740481C1C}">
+                <a14:useLocalDpi xmlns:a14="http://schemas.microsoft.com/office/drawing/2010/main" val="0"/>
+              </a:ext>
+            </a:extLst>
+          </a:blip>
+          <a:srcRect b="35355"/>
+          <a:stretch/>
+        </p:blipFill>
+        <p:spPr>
+          <a:xfrm>
+            <a:off x="-9" y="6350043"/>
+            <a:ext cx="809183" cy="522245"/>
+          </a:xfrm>
+          <a:prstGeom prst="rect">
+            <a:avLst/>
+          </a:prstGeom>
+        </p:spPr>
+      </p:pic>
+      <p:sp>
+        <p:nvSpPr>
+          <p:cNvPr id="9" name="TextBox 8"/>
+          <p:cNvSpPr txBox="1"/>
+          <p:nvPr/>
+        </p:nvSpPr>
+        <p:spPr>
+          <a:xfrm>
+            <a:off x="10111081" y="6386518"/>
+            <a:ext cx="2276202" cy="461665"/>
+          </a:xfrm>
+          <a:prstGeom prst="rect">
+            <a:avLst/>
+          </a:prstGeom>
+          <a:noFill/>
+        </p:spPr>
+        <p:txBody>
+          <a:bodyPr wrap="square" rtlCol="0">
+            <a:spAutoFit/>
+          </a:bodyPr>
+          <a:lstStyle/>
+          <a:p>
+            <a:r>
+              <a:rPr lang="en-US" sz="2400" dirty="0" smtClean="0">
+                <a:latin typeface="+mj-lt"/>
+              </a:rPr>
+              <a:t>Scraping Alpha</a:t>
+            </a:r>
+            <a:r>
+              <a:rPr lang="en-US" sz="2400" baseline="30000" dirty="0" smtClean="0">
+                <a:latin typeface="+mj-lt"/>
+              </a:rPr>
+              <a:t>⍺</a:t>
+            </a:r>
+            <a:endParaRPr lang="en-US" sz="2400" dirty="0"/>
+          </a:p>
+        </p:txBody>
+      </p:sp>
+    </p:spTree>
+    <p:extLst>
+      <p:ext uri="{BB962C8B-B14F-4D97-AF65-F5344CB8AC3E}">
+        <p14:creationId xmlns:p14="http://schemas.microsoft.com/office/powerpoint/2010/main" val="1455313413"/>
+      </p:ext>
+    </p:extLst>
+  </p:cSld>
+  <p:clrMapOvr>
+    <a:masterClrMapping/>
+  </p:clrMapOvr>
+  <p:timing>
+    <p:tnLst>
+      <p:par>
+        <p:cTn id="1" dur="indefinite" restart="never" nodeType="tmRoot"/>
+      </p:par>
+    </p:tnLst>
+  </p:timing>
+</p:sld>
+</file>
+
+<file path=ppt/slides/slide20.xml><?xml version="1.0" encoding="utf-8"?>
+<p:sld xmlns:a="http://schemas.openxmlformats.org/drawingml/2006/main" xmlns:r="http://schemas.openxmlformats.org/officeDocument/2006/relationships" xmlns:p="http://schemas.openxmlformats.org/presentationml/2006/main">
+  <p:cSld>
+    <p:spTree>
+      <p:nvGrpSpPr>
+        <p:cNvPr id="1" name=""/>
+        <p:cNvGrpSpPr/>
+        <p:nvPr/>
+      </p:nvGrpSpPr>
+      <p:grpSpPr>
+        <a:xfrm>
+          <a:off x="0" y="0"/>
+          <a:ext cx="0" cy="0"/>
+          <a:chOff x="0" y="0"/>
+          <a:chExt cx="0" cy="0"/>
+        </a:xfrm>
+      </p:grpSpPr>
+      <p:sp>
+        <p:nvSpPr>
+          <p:cNvPr id="2" name="Title 1"/>
+          <p:cNvSpPr>
+            <a:spLocks noGrp="1"/>
+          </p:cNvSpPr>
+          <p:nvPr>
+            <p:ph type="title"/>
+          </p:nvPr>
+        </p:nvSpPr>
+        <p:spPr/>
+        <p:txBody>
+          <a:bodyPr/>
+          <a:lstStyle/>
+          <a:p>
+            <a:r>
+              <a:rPr lang="en-US" dirty="0" smtClean="0"/>
+              <a:t>Test Set Performance </a:t>
+            </a:r>
+            <a:r>
+              <a:rPr lang="en-US" sz="2400" dirty="0" smtClean="0"/>
               <a:t>(20-Day Holding Period, 0% Cutoff)</a:t>
             </a:r>
             <a:endParaRPr lang="en-US" sz="2400" dirty="0"/>
@@ -9125,7 +9832,7 @@
         </p:nvSpPr>
         <p:spPr>
           <a:xfrm>
-            <a:off x="3484067" y="5273806"/>
+            <a:off x="3484067" y="5054350"/>
             <a:ext cx="5223866" cy="369332"/>
           </a:xfrm>
           <a:prstGeom prst="rect">
@@ -9160,6 +9867,54 @@
           </a:p>
         </p:txBody>
       </p:sp>
+      <p:sp>
+        <p:nvSpPr>
+          <p:cNvPr id="8" name="TextBox 7"/>
+          <p:cNvSpPr txBox="1"/>
+          <p:nvPr/>
+        </p:nvSpPr>
+        <p:spPr>
+          <a:xfrm>
+            <a:off x="3117667" y="5554222"/>
+            <a:ext cx="5968878" cy="369332"/>
+          </a:xfrm>
+          <a:prstGeom prst="rect">
+            <a:avLst/>
+          </a:prstGeom>
+          <a:noFill/>
+          <a:ln w="38100">
+            <a:solidFill>
+              <a:schemeClr val="accent2"/>
+            </a:solidFill>
+          </a:ln>
+        </p:spPr>
+        <p:txBody>
+          <a:bodyPr wrap="none" rtlCol="0">
+            <a:spAutoFit/>
+          </a:bodyPr>
+          <a:lstStyle>
+            <a:defPPr>
+              <a:defRPr lang="en-US"/>
+            </a:defPPr>
+            <a:lvl1pPr algn="ctr"/>
+          </a:lstStyle>
+          <a:p>
+            <a:r>
+              <a:rPr lang="en-US" dirty="0"/>
+              <a:t>Expected </a:t>
+            </a:r>
+            <a:r>
+              <a:rPr lang="en-US" dirty="0" smtClean="0"/>
+              <a:t>Annual Return from a Long/Short Portfolio: -</a:t>
+            </a:r>
+            <a:r>
+              <a:rPr lang="en-US" b="1" i="1" dirty="0" smtClean="0"/>
+              <a:t>0.591%</a:t>
+            </a:r>
+            <a:endParaRPr lang="en-US" b="1" i="1" dirty="0"/>
+          </a:p>
+        </p:txBody>
+      </p:sp>
     </p:spTree>
     <p:extLst>
       <p:ext uri="{BB962C8B-B14F-4D97-AF65-F5344CB8AC3E}">
@@ -9180,7 +9935,7 @@
 </p:sld>
 </file>
 
-<file path=ppt/slides/slide2.xml><?xml version="1.0" encoding="utf-8"?>
+<file path=ppt/slides/slide21.xml><?xml version="1.0" encoding="utf-8"?>
 <p:sld xmlns:a="http://schemas.openxmlformats.org/drawingml/2006/main" xmlns:r="http://schemas.openxmlformats.org/officeDocument/2006/relationships" xmlns:p="http://schemas.openxmlformats.org/presentationml/2006/main">
   <p:cSld>
     <p:spTree>
@@ -9214,257 +9969,6 @@
           <a:p>
             <a:r>
               <a:rPr lang="en-US" dirty="0" smtClean="0"/>
-              <a:t>Table of Contents</a:t>
-            </a:r>
-            <a:endParaRPr lang="en-US" dirty="0"/>
-          </a:p>
-        </p:txBody>
-      </p:sp>
-      <p:sp>
-        <p:nvSpPr>
-          <p:cNvPr id="3" name="Content Placeholder 2"/>
-          <p:cNvSpPr>
-            <a:spLocks noGrp="1"/>
-          </p:cNvSpPr>
-          <p:nvPr>
-            <p:ph idx="1"/>
-          </p:nvPr>
-        </p:nvSpPr>
-        <p:spPr>
-          <a:xfrm>
-            <a:off x="1097280" y="1845734"/>
-            <a:ext cx="10058400" cy="4250266"/>
-          </a:xfrm>
-        </p:spPr>
-        <p:txBody>
-          <a:bodyPr>
-            <a:normAutofit/>
-          </a:bodyPr>
-          <a:lstStyle/>
-          <a:p>
-            <a:pPr>
-              <a:buFont typeface="Arial" panose="020B0604020202020204" pitchFamily="34" charset="0"/>
-              <a:buChar char="•"/>
-            </a:pPr>
-            <a:r>
-              <a:rPr lang="en-US" sz="2400" dirty="0" smtClean="0"/>
-              <a:t>Seeking Alpha Overview</a:t>
-            </a:r>
-          </a:p>
-          <a:p>
-            <a:pPr>
-              <a:buFont typeface="Arial" panose="020B0604020202020204" pitchFamily="34" charset="0"/>
-              <a:buChar char="•"/>
-            </a:pPr>
-            <a:r>
-              <a:rPr lang="en-US" sz="2400" dirty="0" smtClean="0"/>
-              <a:t>Sentiment Analysis</a:t>
-            </a:r>
-          </a:p>
-          <a:p>
-            <a:pPr>
-              <a:buFont typeface="Arial" panose="020B0604020202020204" pitchFamily="34" charset="0"/>
-              <a:buChar char="•"/>
-            </a:pPr>
-            <a:r>
-              <a:rPr lang="en-US" sz="2400" dirty="0" smtClean="0"/>
-              <a:t>Naïve Bayes Theorem</a:t>
-            </a:r>
-          </a:p>
-          <a:p>
-            <a:pPr>
-              <a:buFont typeface="Arial" panose="020B0604020202020204" pitchFamily="34" charset="0"/>
-              <a:buChar char="•"/>
-            </a:pPr>
-            <a:r>
-              <a:rPr lang="en-US" sz="2400" dirty="0" smtClean="0"/>
-              <a:t>Implementation Process</a:t>
-            </a:r>
-          </a:p>
-          <a:p>
-            <a:pPr>
-              <a:buFont typeface="Arial" panose="020B0604020202020204" pitchFamily="34" charset="0"/>
-              <a:buChar char="•"/>
-            </a:pPr>
-            <a:r>
-              <a:rPr lang="en-US" sz="2400" dirty="0" smtClean="0"/>
-              <a:t>Evaluation Metrics</a:t>
-            </a:r>
-          </a:p>
-          <a:p>
-            <a:pPr>
-              <a:buFont typeface="Arial" panose="020B0604020202020204" pitchFamily="34" charset="0"/>
-              <a:buChar char="•"/>
-            </a:pPr>
-            <a:r>
-              <a:rPr lang="en-US" sz="2400" dirty="0" smtClean="0"/>
-              <a:t>Training Set Sensitivity Analysis</a:t>
-            </a:r>
-          </a:p>
-          <a:p>
-            <a:pPr>
-              <a:buFont typeface="Arial" panose="020B0604020202020204" pitchFamily="34" charset="0"/>
-              <a:buChar char="•"/>
-            </a:pPr>
-            <a:r>
-              <a:rPr lang="en-US" sz="2400" dirty="0" smtClean="0"/>
-              <a:t>Test Set Results</a:t>
-            </a:r>
-          </a:p>
-          <a:p>
-            <a:pPr>
-              <a:buFont typeface="Arial" panose="020B0604020202020204" pitchFamily="34" charset="0"/>
-              <a:buChar char="•"/>
-            </a:pPr>
-            <a:r>
-              <a:rPr lang="en-US" sz="2400" dirty="0" smtClean="0"/>
-              <a:t>Next Steps</a:t>
-            </a:r>
-          </a:p>
-          <a:p>
-            <a:pPr>
-              <a:buFont typeface="Arial" panose="020B0604020202020204" pitchFamily="34" charset="0"/>
-              <a:buChar char="•"/>
-            </a:pPr>
-            <a:endParaRPr lang="en-US" dirty="0" smtClean="0"/>
-          </a:p>
-          <a:p>
-            <a:pPr>
-              <a:buFont typeface="Arial" panose="020B0604020202020204" pitchFamily="34" charset="0"/>
-              <a:buChar char="•"/>
-            </a:pPr>
-            <a:endParaRPr lang="en-US" dirty="0" smtClean="0"/>
-          </a:p>
-          <a:p>
-            <a:pPr>
-              <a:buFont typeface="Arial" panose="020B0604020202020204" pitchFamily="34" charset="0"/>
-              <a:buChar char="•"/>
-            </a:pPr>
-            <a:endParaRPr lang="en-US" dirty="0" smtClean="0"/>
-          </a:p>
-        </p:txBody>
-      </p:sp>
-      <p:pic>
-        <p:nvPicPr>
-          <p:cNvPr id="8" name="Picture 7"/>
-          <p:cNvPicPr>
-            <a:picLocks noChangeAspect="1"/>
-          </p:cNvPicPr>
-          <p:nvPr/>
-        </p:nvPicPr>
-        <p:blipFill rotWithShape="1">
-          <a:blip r:embed="rId2">
-            <a:extLst>
-              <a:ext uri="{28A0092B-C50C-407E-A947-70E740481C1C}">
-                <a14:useLocalDpi xmlns:a14="http://schemas.microsoft.com/office/drawing/2010/main" val="0"/>
-              </a:ext>
-            </a:extLst>
-          </a:blip>
-          <a:srcRect b="35355"/>
-          <a:stretch/>
-        </p:blipFill>
-        <p:spPr>
-          <a:xfrm>
-            <a:off x="-9" y="6350043"/>
-            <a:ext cx="809183" cy="522245"/>
-          </a:xfrm>
-          <a:prstGeom prst="rect">
-            <a:avLst/>
-          </a:prstGeom>
-        </p:spPr>
-      </p:pic>
-      <p:sp>
-        <p:nvSpPr>
-          <p:cNvPr id="9" name="TextBox 8"/>
-          <p:cNvSpPr txBox="1"/>
-          <p:nvPr/>
-        </p:nvSpPr>
-        <p:spPr>
-          <a:xfrm>
-            <a:off x="10111081" y="6386518"/>
-            <a:ext cx="2276202" cy="461665"/>
-          </a:xfrm>
-          <a:prstGeom prst="rect">
-            <a:avLst/>
-          </a:prstGeom>
-          <a:noFill/>
-        </p:spPr>
-        <p:txBody>
-          <a:bodyPr wrap="square" rtlCol="0">
-            <a:spAutoFit/>
-          </a:bodyPr>
-          <a:lstStyle/>
-          <a:p>
-            <a:r>
-              <a:rPr lang="en-US" sz="2400" dirty="0" smtClean="0">
-                <a:latin typeface="+mj-lt"/>
-              </a:rPr>
-              <a:t>Scraping Alpha</a:t>
-            </a:r>
-            <a:r>
-              <a:rPr lang="en-US" sz="2400" baseline="30000" dirty="0" smtClean="0">
-                <a:latin typeface="+mj-lt"/>
-              </a:rPr>
-              <a:t>⍺</a:t>
-            </a:r>
-            <a:endParaRPr lang="en-US" sz="2400" dirty="0"/>
-          </a:p>
-        </p:txBody>
-      </p:sp>
-    </p:spTree>
-    <p:extLst>
-      <p:ext uri="{BB962C8B-B14F-4D97-AF65-F5344CB8AC3E}">
-        <p14:creationId xmlns:p14="http://schemas.microsoft.com/office/powerpoint/2010/main" val="1455313413"/>
-      </p:ext>
-    </p:extLst>
-  </p:cSld>
-  <p:clrMapOvr>
-    <a:masterClrMapping/>
-  </p:clrMapOvr>
-  <p:timing>
-    <p:tnLst>
-      <p:par>
-        <p:cTn id="1" dur="indefinite" restart="never" nodeType="tmRoot"/>
-      </p:par>
-    </p:tnLst>
-  </p:timing>
-</p:sld>
-</file>
-
-<file path=ppt/slides/slide20.xml><?xml version="1.0" encoding="utf-8"?>
-<p:sld xmlns:a="http://schemas.openxmlformats.org/drawingml/2006/main" xmlns:r="http://schemas.openxmlformats.org/officeDocument/2006/relationships" xmlns:p="http://schemas.openxmlformats.org/presentationml/2006/main">
-  <p:cSld>
-    <p:spTree>
-      <p:nvGrpSpPr>
-        <p:cNvPr id="1" name=""/>
-        <p:cNvGrpSpPr/>
-        <p:nvPr/>
-      </p:nvGrpSpPr>
-      <p:grpSpPr>
-        <a:xfrm>
-          <a:off x="0" y="0"/>
-          <a:ext cx="0" cy="0"/>
-          <a:chOff x="0" y="0"/>
-          <a:chExt cx="0" cy="0"/>
-        </a:xfrm>
-      </p:grpSpPr>
-      <p:sp>
-        <p:nvSpPr>
-          <p:cNvPr id="2" name="Title 1"/>
-          <p:cNvSpPr>
-            <a:spLocks noGrp="1"/>
-          </p:cNvSpPr>
-          <p:nvPr>
-            <p:ph type="title"/>
-          </p:nvPr>
-        </p:nvSpPr>
-        <p:spPr/>
-        <p:txBody>
-          <a:bodyPr/>
-          <a:lstStyle/>
-          <a:p>
-            <a:r>
-              <a:rPr lang="en-US" dirty="0" smtClean="0"/>
               <a:t>Next Steps</a:t>
             </a:r>
             <a:endParaRPr lang="en-US" dirty="0"/>
@@ -9519,15 +10023,7 @@
                   <a:schemeClr val="tx1"/>
                 </a:solidFill>
               </a:rPr>
-              <a:t>Calculate a “Trust-Value” score for reliable authors and incorporate it into the decision to </a:t>
-            </a:r>
-            <a:r>
-              <a:rPr lang="en-US" sz="2400" dirty="0" smtClean="0">
-                <a:solidFill>
-                  <a:schemeClr val="tx1"/>
-                </a:solidFill>
-              </a:rPr>
-              <a:t>invest</a:t>
+              <a:t>Calculate a “Trust-Value” score for reliable authors and incorporate it into the decision to invest</a:t>
             </a:r>
           </a:p>
           <a:p>
@@ -9539,11 +10035,6 @@
               </a:rPr>
               <a:t>Attempt to fit and incorporate other sentiment analysis models (e.g. Decision Trees)</a:t>
             </a:r>
-            <a:endParaRPr lang="en-US" sz="2400" dirty="0" smtClean="0">
-              <a:solidFill>
-                <a:schemeClr val="tx1"/>
-              </a:solidFill>
-            </a:endParaRPr>
           </a:p>
           <a:p>
             <a:r>
